--- a/slide deck/T1A3 slide deck.pptx
+++ b/slide deck/T1A3 slide deck.pptx
@@ -16895,7 +16895,7 @@
         </p:nvSpPr>
         <p:spPr>
           <a:xfrm>
-            <a:off x="1303800" y="598575"/>
+            <a:off x="1012250" y="822875"/>
             <a:ext cx="3312000" cy="1590000"/>
           </a:xfrm>
           <a:prstGeom prst="rect">
@@ -16919,7 +16919,7 @@
             </a:pPr>
             <a:r>
               <a:rPr lang="en-GB"/>
-              <a:t>flow</a:t>
+              <a:t>flowchart</a:t>
             </a:r>
             <a:endParaRPr/>
           </a:p>
@@ -16941,8 +16941,8 @@
         </p:blipFill>
         <p:spPr>
           <a:xfrm>
-            <a:off x="2706325" y="152400"/>
-            <a:ext cx="6285275" cy="4826625"/>
+            <a:off x="2721275" y="152400"/>
+            <a:ext cx="6270325" cy="4909799"/>
           </a:xfrm>
           <a:prstGeom prst="rect">
             <a:avLst/>
@@ -18044,7 +18044,7 @@
             </a:pPr>
             <a:r>
               <a:rPr lang="en-GB"/>
-              <a:t>Variables</a:t>
+              <a:t>Loop</a:t>
             </a:r>
             <a:endParaRPr/>
           </a:p>
